--- a/Präsentationen/HSHL/Besprechung_Göbel.pptx
+++ b/Präsentationen/HSHL/Besprechung_Göbel.pptx
@@ -238,7 +238,7 @@
           <a:p>
             <a:fld id="{276817F0-84FC-C145-AFC3-FA42D1D21F8E}" type="datetimeFigureOut">
               <a:rPr lang="de-DE" smtClean="0"/>
-              <a:t>07.04.20</a:t>
+              <a:t>09.04.20</a:t>
             </a:fld>
             <a:endParaRPr lang="de-DE"/>
           </a:p>
@@ -404,7 +404,7 @@
           <a:p>
             <a:fld id="{F80FA3C8-DE25-7348-A1F7-D749F91943C8}" type="datetimeFigureOut">
               <a:rPr lang="de-DE" smtClean="0"/>
-              <a:t>07.04.20</a:t>
+              <a:t>09.04.20</a:t>
             </a:fld>
             <a:endParaRPr lang="de-DE"/>
           </a:p>
@@ -8073,13 +8073,8 @@
           <a:p>
             <a:r>
               <a:rPr lang="de-DE" sz="3600" dirty="0"/>
-              <a:t>Referent/</a:t>
-            </a:r>
-            <a:r>
-              <a:rPr lang="de-DE" sz="3600" dirty="0" err="1"/>
-              <a:t>Masterand</a:t>
-            </a:r>
-            <a:endParaRPr lang="de-DE" sz="3600" dirty="0"/>
+              <a:t>Vorstellung</a:t>
+            </a:r>
           </a:p>
         </p:txBody>
       </p:sp>
@@ -8105,10 +8100,9 @@
           <a:lstStyle/>
           <a:p>
             <a:r>
-              <a:rPr lang="de-DE"/>
-              <a:t>19.06.2019</a:t>
-            </a:r>
-            <a:endParaRPr lang="de-DE" dirty="0"/>
+              <a:rPr lang="de-DE" dirty="0"/>
+              <a:t>10.04.2020</a:t>
+            </a:r>
           </a:p>
         </p:txBody>
       </p:sp>
@@ -8185,8 +8179,8 @@
         </p:nvSpPr>
         <p:spPr>
           <a:xfrm>
-            <a:off x="4267254" y="4228517"/>
-            <a:ext cx="3944417" cy="2059220"/>
+            <a:off x="838200" y="1690687"/>
+            <a:ext cx="10336481" cy="3427577"/>
           </a:xfrm>
           <a:prstGeom prst="rect">
             <a:avLst/>
@@ -8582,8 +8576,8 @@
               </a:spcAft>
             </a:pPr>
             <a:r>
-              <a:rPr lang="en-US"/>
-              <a:t>19.06.2019</a:t>
+              <a:rPr lang="en-US" dirty="0"/>
+              <a:t>10.04.2020</a:t>
             </a:r>
           </a:p>
         </p:txBody>
@@ -8647,19 +8641,16 @@
               </a:rPr>
               <a:t>Dittmann</a:t>
             </a:r>
-            <a:r>
-              <a:rPr lang="en-US" kern="1200" dirty="0">
-                <a:solidFill>
-                  <a:schemeClr val="tx1">
-                    <a:tint val="75000"/>
-                  </a:schemeClr>
-                </a:solidFill>
-                <a:latin typeface="+mn-lt"/>
-                <a:ea typeface="+mn-ea"/>
-                <a:cs typeface="+mn-cs"/>
-              </a:rPr>
-              <a:t>, Michael Hauer</a:t>
-            </a:r>
+            <a:endParaRPr lang="en-US" kern="1200" dirty="0">
+              <a:solidFill>
+                <a:schemeClr val="tx1">
+                  <a:tint val="75000"/>
+                </a:schemeClr>
+              </a:solidFill>
+              <a:latin typeface="+mn-lt"/>
+              <a:ea typeface="+mn-ea"/>
+              <a:cs typeface="+mn-cs"/>
+            </a:endParaRPr>
           </a:p>
         </p:txBody>
       </p:sp>
@@ -8871,7 +8862,7 @@
         </p:nvSpPr>
         <p:spPr>
           <a:xfrm>
-            <a:off x="1015076" y="2525223"/>
+            <a:off x="942795" y="2607734"/>
             <a:ext cx="2298824" cy="1325563"/>
           </a:xfrm>
           <a:prstGeom prst="rect">
@@ -8926,7 +8917,7 @@
         </p:nvSpPr>
         <p:spPr>
           <a:xfrm>
-            <a:off x="3398822" y="2506895"/>
+            <a:off x="3398822" y="2607188"/>
             <a:ext cx="2611086" cy="1325563"/>
           </a:xfrm>
           <a:prstGeom prst="rect">
@@ -8960,8 +8951,16 @@
             <a:pPr algn="ctr"/>
             <a:r>
               <a:rPr lang="de-DE" sz="1800" dirty="0"/>
-              <a:t>Inhalt BA</a:t>
-            </a:r>
+              <a:t>Inhalt Bachelor-</a:t>
+            </a:r>
+          </a:p>
+          <a:p>
+            <a:pPr algn="ctr"/>
+            <a:r>
+              <a:rPr lang="de-DE" sz="1800" dirty="0" err="1"/>
+              <a:t>arbeit</a:t>
+            </a:r>
+            <a:endParaRPr lang="de-DE" sz="1800" dirty="0"/>
           </a:p>
         </p:txBody>
       </p:sp>
@@ -8981,7 +8980,7 @@
         </p:nvSpPr>
         <p:spPr>
           <a:xfrm>
-            <a:off x="6094830" y="2633211"/>
+            <a:off x="5933178" y="2746606"/>
             <a:ext cx="2611086" cy="1046725"/>
           </a:xfrm>
           <a:prstGeom prst="rect">
@@ -9015,8 +9014,16 @@
             <a:pPr algn="ctr"/>
             <a:r>
               <a:rPr lang="de-DE" sz="1800" dirty="0"/>
-              <a:t>Themen MA</a:t>
-            </a:r>
+              <a:t>Themen Master-</a:t>
+            </a:r>
+          </a:p>
+          <a:p>
+            <a:pPr algn="ctr"/>
+            <a:r>
+              <a:rPr lang="de-DE" sz="1800" dirty="0" err="1"/>
+              <a:t>arbeit</a:t>
+            </a:r>
+            <a:endParaRPr lang="de-DE" sz="1800" dirty="0"/>
           </a:p>
         </p:txBody>
       </p:sp>
@@ -9122,7 +9129,7 @@
         </p:nvSpPr>
         <p:spPr>
           <a:xfrm>
-            <a:off x="763844" y="4987991"/>
+            <a:off x="767681" y="5030787"/>
             <a:ext cx="2611086" cy="1325563"/>
           </a:xfrm>
           <a:prstGeom prst="rect">
@@ -9181,7 +9188,7 @@
         </p:nvSpPr>
         <p:spPr>
           <a:xfrm>
-            <a:off x="3960425" y="4909575"/>
+            <a:off x="3960425" y="5007954"/>
             <a:ext cx="1810788" cy="1325563"/>
           </a:xfrm>
           <a:prstGeom prst="rect">
@@ -9750,7 +9757,7 @@
           <a:p>
             <a:r>
               <a:rPr lang="de-DE" sz="3600" dirty="0"/>
-              <a:t>Hintergrundinformationen I</a:t>
+              <a:t>Hintergrundinformation</a:t>
             </a:r>
           </a:p>
         </p:txBody>
@@ -9777,10 +9784,9 @@
           <a:lstStyle/>
           <a:p>
             <a:r>
-              <a:rPr lang="de-DE" dirty="0" err="1"/>
-              <a:t>xx.xx.xxxx</a:t>
-            </a:r>
-            <a:endParaRPr lang="de-DE" dirty="0"/>
+              <a:rPr lang="de-DE" dirty="0"/>
+              <a:t>10.04.2020</a:t>
+            </a:r>
           </a:p>
         </p:txBody>
       </p:sp>
@@ -9855,7 +9861,7 @@
         <p:spPr>
           <a:xfrm>
             <a:off x="5666282" y="1961146"/>
-            <a:ext cx="10295377" cy="2308324"/>
+            <a:ext cx="10295377" cy="3970318"/>
           </a:xfrm>
           <a:prstGeom prst="rect">
             <a:avLst/>
@@ -9911,7 +9917,15 @@
             </a:pPr>
             <a:r>
               <a:rPr lang="de-DE" dirty="0"/>
-              <a:t>Autonomes fahren ohne Änderung der Umgebung</a:t>
+              <a:t>HS Bochum und Smart </a:t>
+            </a:r>
+            <a:r>
+              <a:rPr lang="de-DE" dirty="0" err="1"/>
+              <a:t>Merchatronics</a:t>
+            </a:r>
+            <a:r>
+              <a:rPr lang="de-DE" dirty="0"/>
+              <a:t> GmbH</a:t>
             </a:r>
           </a:p>
           <a:p>
@@ -9927,12 +9941,8 @@
               <a:buChar char="•"/>
             </a:pPr>
             <a:r>
-              <a:rPr lang="de-DE" dirty="0" err="1"/>
-              <a:t>Mecanum</a:t>
-            </a:r>
-            <a:r>
               <a:rPr lang="de-DE" dirty="0"/>
-              <a:t> Räder</a:t>
+              <a:t>Autonomes fahren ohne Änderung der Umgebung</a:t>
             </a:r>
           </a:p>
           <a:p>
@@ -9949,11 +9959,70 @@
             </a:pPr>
             <a:r>
               <a:rPr lang="de-DE" dirty="0" err="1"/>
+              <a:t>Omnidirektional</a:t>
+            </a:r>
+            <a:r>
+              <a:rPr lang="de-DE" dirty="0"/>
+              <a:t> und Ackermann fahrt möglich</a:t>
+            </a:r>
+          </a:p>
+          <a:p>
+            <a:pPr marL="285750" indent="-285750">
+              <a:buFont typeface="Arial" panose="020B0604020202020204" pitchFamily="34" charset="0"/>
+              <a:buChar char="•"/>
+            </a:pPr>
+            <a:endParaRPr lang="de-DE" dirty="0"/>
+          </a:p>
+          <a:p>
+            <a:pPr marL="285750" indent="-285750">
+              <a:buFont typeface="Arial" panose="020B0604020202020204" pitchFamily="34" charset="0"/>
+              <a:buChar char="•"/>
+            </a:pPr>
+            <a:r>
+              <a:rPr lang="de-DE" dirty="0" err="1"/>
+              <a:t>Mecanum</a:t>
+            </a:r>
+            <a:r>
+              <a:rPr lang="de-DE" dirty="0"/>
+              <a:t> Räder</a:t>
+            </a:r>
+          </a:p>
+          <a:p>
+            <a:pPr marL="285750" indent="-285750">
+              <a:buFont typeface="Arial" panose="020B0604020202020204" pitchFamily="34" charset="0"/>
+              <a:buChar char="•"/>
+            </a:pPr>
+            <a:endParaRPr lang="de-DE" dirty="0"/>
+          </a:p>
+          <a:p>
+            <a:pPr marL="285750" indent="-285750">
+              <a:buFont typeface="Arial" panose="020B0604020202020204" pitchFamily="34" charset="0"/>
+              <a:buChar char="•"/>
+            </a:pPr>
+            <a:r>
+              <a:rPr lang="de-DE" dirty="0" err="1"/>
               <a:t>Lidar</a:t>
             </a:r>
             <a:r>
               <a:rPr lang="de-DE" dirty="0"/>
               <a:t> Sensor und Kinect Kameras</a:t>
+            </a:r>
+          </a:p>
+          <a:p>
+            <a:pPr marL="285750" indent="-285750">
+              <a:buFont typeface="Arial" panose="020B0604020202020204" pitchFamily="34" charset="0"/>
+              <a:buChar char="•"/>
+            </a:pPr>
+            <a:endParaRPr lang="de-DE" dirty="0"/>
+          </a:p>
+          <a:p>
+            <a:pPr marL="285750" indent="-285750">
+              <a:buFont typeface="Arial" panose="020B0604020202020204" pitchFamily="34" charset="0"/>
+              <a:buChar char="•"/>
+            </a:pPr>
+            <a:r>
+              <a:rPr lang="de-DE" dirty="0"/>
+              <a:t>IMU Sensorik</a:t>
             </a:r>
           </a:p>
           <a:p>
@@ -10050,7 +10119,7 @@
           <a:p>
             <a:r>
               <a:rPr lang="de-DE" sz="3600" dirty="0"/>
-              <a:t>Themen Bachelorarbeit</a:t>
+              <a:t>Ergebnisse Bachelorarbeit</a:t>
             </a:r>
           </a:p>
         </p:txBody>
@@ -10077,10 +10146,9 @@
           <a:lstStyle/>
           <a:p>
             <a:r>
-              <a:rPr lang="de-DE" dirty="0" err="1"/>
-              <a:t>xx.xx.xxxx</a:t>
-            </a:r>
-            <a:endParaRPr lang="de-DE" dirty="0"/>
+              <a:rPr lang="de-DE" dirty="0"/>
+              <a:t>10.04.2020</a:t>
+            </a:r>
           </a:p>
         </p:txBody>
       </p:sp>
@@ -10224,7 +10292,7 @@
             </a:r>
             <a:r>
               <a:rPr lang="de-DE" dirty="0"/>
-              <a:t> der Umgebung</a:t>
+              <a:t> der Umgebung (SLAM)</a:t>
             </a:r>
           </a:p>
           <a:p>
@@ -10309,7 +10377,7 @@
           <a:p>
             <a:r>
               <a:rPr lang="de-DE" sz="3600" dirty="0"/>
-              <a:t>Themen MA</a:t>
+              <a:t>Themen Masterarbeit</a:t>
             </a:r>
           </a:p>
         </p:txBody>
@@ -10336,10 +10404,9 @@
           <a:lstStyle/>
           <a:p>
             <a:r>
-              <a:rPr lang="de-DE" dirty="0" err="1"/>
-              <a:t>xx.xx.xxxx</a:t>
-            </a:r>
-            <a:endParaRPr lang="de-DE" dirty="0"/>
+              <a:rPr lang="de-DE" dirty="0"/>
+              <a:t>10.04.2020</a:t>
+            </a:r>
           </a:p>
         </p:txBody>
       </p:sp>
@@ -10394,7 +10461,7 @@
           <a:p>
             <a:r>
               <a:rPr lang="de-DE" dirty="0"/>
-              <a:t>4 von 23</a:t>
+              <a:t>5 von 23</a:t>
             </a:r>
           </a:p>
         </p:txBody>
@@ -10414,7 +10481,7 @@
         <p:spPr>
           <a:xfrm>
             <a:off x="838200" y="1573306"/>
-            <a:ext cx="9865659" cy="646331"/>
+            <a:ext cx="9865659" cy="4247317"/>
           </a:xfrm>
           <a:prstGeom prst="rect">
             <a:avLst/>
@@ -10433,8 +10500,153 @@
             </a:pPr>
             <a:r>
               <a:rPr lang="de-DE" dirty="0"/>
-              <a:t>Was ist ALF</a:t>
-            </a:r>
+              <a:t>Optimierung Navigation in </a:t>
+            </a:r>
+            <a:r>
+              <a:rPr lang="de-DE" dirty="0" err="1"/>
+              <a:t>kartografierter</a:t>
+            </a:r>
+            <a:r>
+              <a:rPr lang="de-DE" dirty="0"/>
+              <a:t> Umgebung</a:t>
+            </a:r>
+          </a:p>
+          <a:p>
+            <a:pPr marL="285750" indent="-285750">
+              <a:buFont typeface="Arial" panose="020B0604020202020204" pitchFamily="34" charset="0"/>
+              <a:buChar char="•"/>
+            </a:pPr>
+            <a:endParaRPr lang="de-DE" dirty="0"/>
+          </a:p>
+          <a:p>
+            <a:pPr marL="285750" indent="-285750">
+              <a:buFont typeface="Arial" panose="020B0604020202020204" pitchFamily="34" charset="0"/>
+              <a:buChar char="•"/>
+            </a:pPr>
+            <a:r>
+              <a:rPr lang="de-DE" dirty="0" err="1"/>
+              <a:t>Projektmanagment</a:t>
+            </a:r>
+            <a:r>
+              <a:rPr lang="de-DE" dirty="0"/>
+              <a:t> (CONSENS, Anwendungsszenarien, </a:t>
+            </a:r>
+            <a:r>
+              <a:rPr lang="de-DE" dirty="0" err="1"/>
+              <a:t>Anforderungsmangement</a:t>
+            </a:r>
+            <a:r>
+              <a:rPr lang="de-DE" dirty="0"/>
+              <a:t>, V&amp;V)</a:t>
+            </a:r>
+          </a:p>
+          <a:p>
+            <a:pPr marL="285750" indent="-285750">
+              <a:buFont typeface="Arial" panose="020B0604020202020204" pitchFamily="34" charset="0"/>
+              <a:buChar char="•"/>
+            </a:pPr>
+            <a:endParaRPr lang="de-DE" dirty="0"/>
+          </a:p>
+          <a:p>
+            <a:pPr marL="285750" indent="-285750">
+              <a:buFont typeface="Arial" panose="020B0604020202020204" pitchFamily="34" charset="0"/>
+              <a:buChar char="•"/>
+            </a:pPr>
+            <a:r>
+              <a:rPr lang="de-DE" dirty="0"/>
+              <a:t>Sensordatenfusion Kinect und </a:t>
+            </a:r>
+            <a:r>
+              <a:rPr lang="de-DE" dirty="0" err="1"/>
+              <a:t>Lidar</a:t>
+            </a:r>
+            <a:r>
+              <a:rPr lang="de-DE" dirty="0"/>
+              <a:t> Sensoren mit ROS </a:t>
+            </a:r>
+          </a:p>
+          <a:p>
+            <a:pPr marL="285750" indent="-285750">
+              <a:buFont typeface="Arial" panose="020B0604020202020204" pitchFamily="34" charset="0"/>
+              <a:buChar char="•"/>
+            </a:pPr>
+            <a:endParaRPr lang="de-DE" dirty="0"/>
+          </a:p>
+          <a:p>
+            <a:pPr marL="285750" indent="-285750">
+              <a:buFont typeface="Arial" panose="020B0604020202020204" pitchFamily="34" charset="0"/>
+              <a:buChar char="•"/>
+            </a:pPr>
+            <a:r>
+              <a:rPr lang="de-DE" dirty="0"/>
+              <a:t>Sensordatenfusion IMU Sensorik mit </a:t>
+            </a:r>
+            <a:r>
+              <a:rPr lang="de-DE" dirty="0" err="1"/>
+              <a:t>Matlab</a:t>
+            </a:r>
+            <a:r>
+              <a:rPr lang="de-DE" dirty="0"/>
+              <a:t>/Simulink</a:t>
+            </a:r>
+          </a:p>
+          <a:p>
+            <a:pPr marL="285750" indent="-285750">
+              <a:buFont typeface="Arial" panose="020B0604020202020204" pitchFamily="34" charset="0"/>
+              <a:buChar char="•"/>
+            </a:pPr>
+            <a:endParaRPr lang="de-DE" dirty="0"/>
+          </a:p>
+          <a:p>
+            <a:pPr marL="285750" indent="-285750">
+              <a:buFont typeface="Arial" panose="020B0604020202020204" pitchFamily="34" charset="0"/>
+              <a:buChar char="•"/>
+            </a:pPr>
+            <a:r>
+              <a:rPr lang="de-DE" dirty="0"/>
+              <a:t>Lokalisierung in statischer Karte mit ROS</a:t>
+            </a:r>
+          </a:p>
+          <a:p>
+            <a:endParaRPr lang="de-DE" dirty="0"/>
+          </a:p>
+          <a:p>
+            <a:pPr marL="285750" indent="-285750">
+              <a:buFont typeface="Arial" panose="020B0604020202020204" pitchFamily="34" charset="0"/>
+              <a:buChar char="•"/>
+            </a:pPr>
+            <a:r>
+              <a:rPr lang="de-DE" dirty="0"/>
+              <a:t>Zustandsautomat  mit </a:t>
+            </a:r>
+            <a:r>
+              <a:rPr lang="de-DE" dirty="0" err="1"/>
+              <a:t>Matlab</a:t>
+            </a:r>
+            <a:r>
+              <a:rPr lang="de-DE" dirty="0"/>
+              <a:t>/Simulink</a:t>
+            </a:r>
+          </a:p>
+          <a:p>
+            <a:pPr marL="285750" indent="-285750">
+              <a:buFont typeface="Arial" panose="020B0604020202020204" pitchFamily="34" charset="0"/>
+              <a:buChar char="•"/>
+            </a:pPr>
+            <a:endParaRPr lang="de-DE" dirty="0"/>
+          </a:p>
+          <a:p>
+            <a:pPr marL="285750" indent="-285750">
+              <a:buFont typeface="Arial" panose="020B0604020202020204" pitchFamily="34" charset="0"/>
+              <a:buChar char="•"/>
+            </a:pPr>
+            <a:r>
+              <a:rPr lang="de-DE" dirty="0"/>
+              <a:t>Spracherkennung/Ausgabe und Verarbeitung</a:t>
+            </a:r>
+          </a:p>
+          <a:p>
+            <a:endParaRPr lang="de-DE" dirty="0"/>
           </a:p>
           <a:p>
             <a:pPr marL="285750" indent="-285750">
@@ -10500,7 +10712,7 @@
           <a:p>
             <a:r>
               <a:rPr lang="de-DE" sz="3600" dirty="0"/>
-              <a:t>Techniken</a:t>
+              <a:t>Entwicklungsumgebungen &amp; Techniken</a:t>
             </a:r>
           </a:p>
         </p:txBody>
@@ -10527,10 +10739,9 @@
           <a:lstStyle/>
           <a:p>
             <a:r>
-              <a:rPr lang="de-DE" dirty="0" err="1"/>
-              <a:t>xx.xx.xxxx</a:t>
-            </a:r>
-            <a:endParaRPr lang="de-DE" dirty="0"/>
+              <a:rPr lang="de-DE" dirty="0"/>
+              <a:t>10.04.2020</a:t>
+            </a:r>
           </a:p>
         </p:txBody>
       </p:sp>
@@ -10585,7 +10796,7 @@
           <a:p>
             <a:r>
               <a:rPr lang="de-DE" dirty="0"/>
-              <a:t>4 von 23</a:t>
+              <a:t>6 von 23</a:t>
             </a:r>
           </a:p>
         </p:txBody>
@@ -10605,7 +10816,7 @@
         <p:spPr>
           <a:xfrm>
             <a:off x="838200" y="1573306"/>
-            <a:ext cx="9865659" cy="1477328"/>
+            <a:ext cx="9865659" cy="2585323"/>
           </a:xfrm>
           <a:prstGeom prst="rect">
             <a:avLst/>
@@ -10623,20 +10834,24 @@
               <a:buChar char="•"/>
             </a:pPr>
             <a:r>
+              <a:rPr lang="de-DE" dirty="0"/>
+              <a:t>CONSENS / Modell </a:t>
+            </a:r>
+            <a:r>
               <a:rPr lang="de-DE" dirty="0" err="1"/>
-              <a:t>Consens</a:t>
-            </a:r>
-            <a:endParaRPr lang="de-DE" dirty="0"/>
+              <a:t>Based</a:t>
+            </a:r>
+            <a:r>
+              <a:rPr lang="de-DE" dirty="0"/>
+              <a:t> Systems Engineering</a:t>
+            </a:r>
           </a:p>
           <a:p>
             <a:pPr marL="285750" indent="-285750">
               <a:buFont typeface="Arial" panose="020B0604020202020204" pitchFamily="34" charset="0"/>
               <a:buChar char="•"/>
             </a:pPr>
-            <a:r>
-              <a:rPr lang="de-DE" dirty="0"/>
-              <a:t>Robot Operating System</a:t>
-            </a:r>
+            <a:endParaRPr lang="de-DE" dirty="0"/>
           </a:p>
           <a:p>
             <a:pPr marL="285750" indent="-285750">
@@ -10644,18 +10859,51 @@
               <a:buChar char="•"/>
             </a:pPr>
             <a:r>
+              <a:rPr lang="de-DE" dirty="0"/>
+              <a:t>Robot Operating System einbinden von fertigen Lösungen</a:t>
+            </a:r>
+          </a:p>
+          <a:p>
+            <a:pPr marL="285750" indent="-285750">
+              <a:buFont typeface="Arial" panose="020B0604020202020204" pitchFamily="34" charset="0"/>
+              <a:buChar char="•"/>
+            </a:pPr>
+            <a:endParaRPr lang="de-DE" dirty="0"/>
+          </a:p>
+          <a:p>
+            <a:pPr marL="285750" indent="-285750">
+              <a:buFont typeface="Arial" panose="020B0604020202020204" pitchFamily="34" charset="0"/>
+              <a:buChar char="•"/>
+            </a:pPr>
+            <a:r>
+              <a:rPr lang="de-DE" dirty="0"/>
+              <a:t>Model basierte Softwareentwicklung mit </a:t>
+            </a:r>
+            <a:r>
               <a:rPr lang="de-DE" dirty="0" err="1"/>
               <a:t>Matlab</a:t>
             </a:r>
             <a:r>
               <a:rPr lang="de-DE" dirty="0"/>
-              <a:t>, Simulink, </a:t>
-            </a:r>
-            <a:r>
-              <a:rPr lang="de-DE" dirty="0" err="1"/>
-              <a:t>Stateflow</a:t>
-            </a:r>
+              <a:t>/Simulink</a:t>
+            </a:r>
+          </a:p>
+          <a:p>
+            <a:pPr marL="285750" indent="-285750">
+              <a:buFont typeface="Arial" panose="020B0604020202020204" pitchFamily="34" charset="0"/>
+              <a:buChar char="•"/>
+            </a:pPr>
             <a:endParaRPr lang="de-DE" dirty="0"/>
+          </a:p>
+          <a:p>
+            <a:pPr marL="285750" indent="-285750">
+              <a:buFont typeface="Arial" panose="020B0604020202020204" pitchFamily="34" charset="0"/>
+              <a:buChar char="•"/>
+            </a:pPr>
+            <a:r>
+              <a:rPr lang="de-DE" dirty="0"/>
+              <a:t>Linux als Entwicklungsplattform</a:t>
+            </a:r>
           </a:p>
           <a:p>
             <a:pPr marL="285750" indent="-285750">
@@ -10755,10 +11003,9 @@
           <a:lstStyle/>
           <a:p>
             <a:r>
-              <a:rPr lang="de-DE" dirty="0" err="1"/>
-              <a:t>xx.xx.xxxx</a:t>
-            </a:r>
-            <a:endParaRPr lang="de-DE" dirty="0"/>
+              <a:rPr lang="de-DE" dirty="0"/>
+              <a:t>10.04.2020</a:t>
+            </a:r>
           </a:p>
         </p:txBody>
       </p:sp>
@@ -10946,10 +11193,9 @@
           <a:lstStyle/>
           <a:p>
             <a:r>
-              <a:rPr lang="de-DE" dirty="0" err="1"/>
-              <a:t>xx.xx.xxxx</a:t>
-            </a:r>
-            <a:endParaRPr lang="de-DE" dirty="0"/>
+              <a:rPr lang="de-DE" dirty="0"/>
+              <a:t>10.04.2020</a:t>
+            </a:r>
           </a:p>
         </p:txBody>
       </p:sp>
@@ -11043,7 +11289,7 @@
             </a:pPr>
             <a:r>
               <a:rPr lang="de-DE" dirty="0"/>
-              <a:t>Was ist ALF</a:t>
+              <a:t>Statusupdate</a:t>
             </a:r>
           </a:p>
           <a:p>

--- a/Präsentationen/HSHL/Besprechung_Göbel.pptx
+++ b/Präsentationen/HSHL/Besprechung_Göbel.pptx
@@ -8128,10 +8128,9 @@
           <a:lstStyle/>
           <a:p>
             <a:r>
-              <a:rPr lang="de-DE"/>
-              <a:t>Hannes Dittmann, Michael Hauer</a:t>
-            </a:r>
-            <a:endParaRPr lang="de-DE" dirty="0"/>
+              <a:rPr lang="de-DE" dirty="0"/>
+              <a:t>Hannes Dittmann</a:t>
+            </a:r>
           </a:p>
         </p:txBody>
       </p:sp>
@@ -8158,7 +8157,7 @@
           <a:p>
             <a:r>
               <a:rPr lang="de-DE" dirty="0"/>
-              <a:t>2 von 23</a:t>
+              <a:t>1 von 8</a:t>
             </a:r>
           </a:p>
         </p:txBody>
@@ -8179,7 +8178,7 @@
         </p:nvSpPr>
         <p:spPr>
           <a:xfrm>
-            <a:off x="838200" y="1690687"/>
+            <a:off x="2985159" y="1715211"/>
             <a:ext cx="10336481" cy="3427577"/>
           </a:xfrm>
           <a:prstGeom prst="rect">
@@ -8188,7 +8187,7 @@
         </p:spPr>
         <p:txBody>
           <a:bodyPr vert="horz" lIns="91440" tIns="45720" rIns="91440" bIns="45720" rtlCol="0">
-            <a:normAutofit/>
+            <a:normAutofit fontScale="92500" lnSpcReduction="20000"/>
           </a:bodyPr>
           <a:lstStyle>
             <a:lvl1pPr marL="342891" indent="-342891" algn="l" defTabSz="457189" rtl="0" eaLnBrk="1" latinLnBrk="0" hangingPunct="1">
@@ -8328,64 +8327,220 @@
             </a:lvl9pPr>
           </a:lstStyle>
           <a:p>
-            <a:pPr marL="0" indent="0">
-              <a:buNone/>
+            <a:pPr marL="571500" indent="-228599">
+              <a:buSzPct val="100000"/>
             </a:pPr>
             <a:r>
-              <a:rPr lang="de-DE" sz="2400" dirty="0">
-                <a:latin typeface="Helvetica" pitchFamily="2" charset="0"/>
+              <a:rPr lang="de-DE" sz="1800" dirty="0">
+                <a:latin typeface="+mn-lt"/>
               </a:rPr>
-              <a:t>Hannes Dittmann, B. Eng.</a:t>
-            </a:r>
-          </a:p>
-          <a:p>
-            <a:pPr marL="0" indent="0">
+              <a:t>Ausbildung zum Mechatroniker bei der ThyssenKrupp Steel Europe AG </a:t>
+            </a:r>
+          </a:p>
+          <a:p>
+            <a:pPr marL="342901" indent="0">
+              <a:buSzPct val="100000"/>
               <a:buNone/>
             </a:pPr>
+            <a:endParaRPr lang="de-DE" sz="1800" dirty="0">
+              <a:latin typeface="+mn-lt"/>
+            </a:endParaRPr>
+          </a:p>
+          <a:p>
+            <a:pPr marL="571500" indent="-228599">
+              <a:buSzPct val="100000"/>
+            </a:pPr>
             <a:r>
               <a:rPr lang="de-DE" sz="1800" dirty="0">
-                <a:latin typeface="Helvetica" pitchFamily="2" charset="0"/>
+                <a:latin typeface="+mn-lt"/>
               </a:rPr>
-              <a:t>Mechatronik, Hochschule Bochum</a:t>
-            </a:r>
-          </a:p>
-          <a:p>
-            <a:pPr marL="0" indent="0">
-              <a:buNone/>
+              <a:t>Studium der Mechatronik an der Hochschule Bochum</a:t>
+            </a:r>
+          </a:p>
+          <a:p>
+            <a:pPr marL="571500" indent="-228599">
+              <a:buSzPct val="100000"/>
             </a:pPr>
+            <a:endParaRPr lang="de-DE" sz="1800" dirty="0">
+              <a:latin typeface="+mn-lt"/>
+            </a:endParaRPr>
+          </a:p>
+          <a:p>
+            <a:pPr marL="571500" indent="-228599">
+              <a:buSzPct val="100000"/>
+            </a:pPr>
             <a:r>
               <a:rPr lang="de-DE" sz="1800" dirty="0">
-                <a:latin typeface="Helvetica" pitchFamily="2" charset="0"/>
+                <a:latin typeface="+mn-lt"/>
               </a:rPr>
-              <a:t>Junior Engineer im </a:t>
+              <a:t>Wissenschaftliche Hilfskraft im Fraunhofer IWS</a:t>
+            </a:r>
+          </a:p>
+          <a:p>
+            <a:pPr marL="571500" indent="-228599">
+              <a:buSzPct val="100000"/>
+            </a:pPr>
+            <a:endParaRPr lang="de-DE" sz="1800" dirty="0">
+              <a:latin typeface="+mn-lt"/>
+            </a:endParaRPr>
+          </a:p>
+          <a:p>
+            <a:pPr marL="571500" indent="-228599">
+              <a:buSzPct val="100000"/>
+            </a:pPr>
+            <a:r>
+              <a:rPr lang="de-DE" sz="1800" dirty="0">
+                <a:latin typeface="+mn-lt"/>
+              </a:rPr>
+              <a:t>Studentische Hilfskraft bei Boehringer Ingelheim </a:t>
             </a:r>
             <a:r>
               <a:rPr lang="de-DE" sz="1800" dirty="0" err="1">
-                <a:latin typeface="Helvetica" pitchFamily="2" charset="0"/>
+                <a:latin typeface="+mn-lt"/>
+              </a:rPr>
+              <a:t>microParts</a:t>
+            </a:r>
+            <a:endParaRPr lang="de-DE" sz="1800" dirty="0">
+              <a:latin typeface="+mn-lt"/>
+            </a:endParaRPr>
+          </a:p>
+          <a:p>
+            <a:pPr marL="571500" indent="-228599">
+              <a:buSzPct val="100000"/>
+            </a:pPr>
+            <a:endParaRPr lang="de-DE" sz="1800" dirty="0">
+              <a:latin typeface="+mn-lt"/>
+            </a:endParaRPr>
+          </a:p>
+          <a:p>
+            <a:pPr marL="571500" indent="-228599">
+              <a:buSzPct val="100000"/>
+            </a:pPr>
+            <a:r>
+              <a:rPr lang="de-DE" sz="1800" dirty="0">
+                <a:latin typeface="+mn-lt"/>
+              </a:rPr>
+              <a:t>Studentische Hilfskraft bei der Smart </a:t>
+            </a:r>
+            <a:r>
+              <a:rPr lang="de-DE" sz="1800" dirty="0" err="1">
+                <a:latin typeface="+mn-lt"/>
+              </a:rPr>
+              <a:t>Mechatronics</a:t>
+            </a:r>
+            <a:r>
+              <a:rPr lang="de-DE" sz="1800" dirty="0">
+                <a:latin typeface="+mn-lt"/>
+              </a:rPr>
+              <a:t> GmbH im Team </a:t>
+            </a:r>
+            <a:r>
+              <a:rPr lang="de-DE" sz="1800" dirty="0" err="1">
+                <a:latin typeface="+mn-lt"/>
               </a:rPr>
               <a:t>Function</a:t>
             </a:r>
             <a:r>
               <a:rPr lang="de-DE" sz="1800" dirty="0">
-                <a:latin typeface="Helvetica" pitchFamily="2" charset="0"/>
+                <a:latin typeface="+mn-lt"/>
               </a:rPr>
-              <a:t> &amp; Control der Smart </a:t>
+              <a:t> &amp; Control</a:t>
+            </a:r>
+          </a:p>
+          <a:p>
+            <a:pPr marL="571500" indent="-228599">
+              <a:buSzPct val="100000"/>
+            </a:pPr>
+            <a:endParaRPr lang="de-DE" sz="1800" dirty="0">
+              <a:latin typeface="+mn-lt"/>
+            </a:endParaRPr>
+          </a:p>
+          <a:p>
+            <a:pPr marL="571500" indent="-228599">
+              <a:buSzPct val="100000"/>
+            </a:pPr>
+            <a:r>
+              <a:rPr lang="de-DE" sz="1800" dirty="0">
+                <a:latin typeface="+mn-lt"/>
+              </a:rPr>
+              <a:t>Masterstudium Business </a:t>
             </a:r>
             <a:r>
               <a:rPr lang="de-DE" sz="1800" dirty="0" err="1">
-                <a:latin typeface="Helvetica" pitchFamily="2" charset="0"/>
+                <a:latin typeface="+mn-lt"/>
               </a:rPr>
-              <a:t>Mechatronics</a:t>
+              <a:t>and</a:t>
             </a:r>
             <a:r>
               <a:rPr lang="de-DE" sz="1800" dirty="0">
-                <a:latin typeface="Helvetica" pitchFamily="2" charset="0"/>
+                <a:latin typeface="+mn-lt"/>
               </a:rPr>
-              <a:t> GmbH</a:t>
-            </a:r>
-          </a:p>
-        </p:txBody>
-      </p:sp>
+              <a:t> Systems Engineering an der Hochschule</a:t>
+            </a:r>
+          </a:p>
+          <a:p>
+            <a:pPr marL="342901" indent="0">
+              <a:buSzPct val="100000"/>
+              <a:buNone/>
+            </a:pPr>
+            <a:r>
+              <a:rPr lang="de-DE" sz="1800" dirty="0">
+                <a:latin typeface="+mn-lt"/>
+              </a:rPr>
+              <a:t>     Hamm-Lippstadt</a:t>
+            </a:r>
+          </a:p>
+        </p:txBody>
+      </p:sp>
+      <p:pic>
+        <p:nvPicPr>
+          <p:cNvPr id="7" name="Bildplatzhalter 8">
+            <a:extLst>
+              <a:ext uri="{FF2B5EF4-FFF2-40B4-BE49-F238E27FC236}">
+                <a16:creationId xmlns:a16="http://schemas.microsoft.com/office/drawing/2014/main" id="{DA4909C4-441D-4D4F-91D2-4196F72F2916}"/>
+              </a:ext>
+            </a:extLst>
+          </p:cNvPr>
+          <p:cNvPicPr>
+            <a:picLocks noChangeAspect="1"/>
+          </p:cNvPicPr>
+          <p:nvPr/>
+        </p:nvPicPr>
+        <p:blipFill>
+          <a:blip r:embed="rId3" cstate="print">
+            <a:extLst>
+              <a:ext uri="{BEBA8EAE-BF5A-486C-A8C5-ECC9F3942E4B}">
+                <a14:imgProps xmlns:a14="http://schemas.microsoft.com/office/drawing/2010/main">
+                  <a14:imgLayer r:embed="rId4">
+                    <a14:imgEffect>
+                      <a14:sharpenSoften amount="90000"/>
+                    </a14:imgEffect>
+                    <a14:imgEffect>
+                      <a14:brightnessContrast bright="10000"/>
+                    </a14:imgEffect>
+                  </a14:imgLayer>
+                </a14:imgProps>
+              </a:ext>
+              <a:ext uri="{28A0092B-C50C-407E-A947-70E740481C1C}">
+                <a14:useLocalDpi xmlns:a14="http://schemas.microsoft.com/office/drawing/2010/main" val="0"/>
+              </a:ext>
+            </a:extLst>
+          </a:blip>
+          <a:srcRect l="6274" r="6274"/>
+          <a:stretch>
+            <a:fillRect/>
+          </a:stretch>
+        </p:blipFill>
+        <p:spPr>
+          <a:xfrm>
+            <a:off x="838200" y="1715211"/>
+            <a:ext cx="1906347" cy="2179895"/>
+          </a:xfrm>
+          <a:prstGeom prst="rect">
+            <a:avLst/>
+          </a:prstGeom>
+        </p:spPr>
+      </p:pic>
     </p:spTree>
     <p:extLst>
       <p:ext uri="{BB962C8B-B14F-4D97-AF65-F5344CB8AC3E}">
@@ -8684,7 +8839,7 @@
           <a:p>
             <a:r>
               <a:rPr lang="de-DE" dirty="0"/>
-              <a:t>3 von 23</a:t>
+              <a:t>2 von 8</a:t>
             </a:r>
           </a:p>
           <a:p>
@@ -9075,6 +9230,14 @@
           </a:lstStyle>
           <a:p>
             <a:pPr algn="ctr"/>
+            <a:r>
+              <a:rPr lang="en-US" sz="1800" dirty="0" err="1"/>
+              <a:t>Methoden</a:t>
+            </a:r>
+            <a:r>
+              <a:rPr lang="en-US" sz="1800" dirty="0"/>
+              <a:t> &amp;</a:t>
+            </a:r>
             <a:r>
               <a:rPr lang="en-US" sz="1800" dirty="0" err="1"/>
               <a:t>Techniken</a:t>
@@ -9757,7 +9920,7 @@
           <a:p>
             <a:r>
               <a:rPr lang="de-DE" sz="3600" dirty="0"/>
-              <a:t>Hintergrundinformation</a:t>
+              <a:t>Hintergrundinformation ALF</a:t>
             </a:r>
           </a:p>
         </p:txBody>
@@ -9841,7 +10004,7 @@
           <a:p>
             <a:r>
               <a:rPr lang="de-DE" dirty="0"/>
-              <a:t>4 von 23</a:t>
+              <a:t>3 von 8</a:t>
             </a:r>
           </a:p>
         </p:txBody>
@@ -9880,6 +10043,14 @@
             </a:pPr>
             <a:r>
               <a:rPr lang="de-DE" b="1" dirty="0"/>
+              <a:t> </a:t>
+            </a:r>
+            <a:r>
+              <a:rPr lang="de-DE" b="1" dirty="0">
+                <a:solidFill>
+                  <a:srgbClr val="FF0000"/>
+                </a:solidFill>
+              </a:rPr>
               <a:t>A</a:t>
             </a:r>
             <a:r>
@@ -9887,7 +10058,11 @@
               <a:t>utonomes </a:t>
             </a:r>
             <a:r>
-              <a:rPr lang="de-DE" b="1" dirty="0"/>
+              <a:rPr lang="de-DE" b="1" dirty="0">
+                <a:solidFill>
+                  <a:srgbClr val="FF0000"/>
+                </a:solidFill>
+              </a:rPr>
               <a:t>L</a:t>
             </a:r>
             <a:r>
@@ -9895,7 +10070,11 @@
               <a:t>ogistik-</a:t>
             </a:r>
             <a:r>
-              <a:rPr lang="de-DE" b="1" dirty="0"/>
+              <a:rPr lang="de-DE" b="1" dirty="0">
+                <a:solidFill>
+                  <a:srgbClr val="FF0000"/>
+                </a:solidFill>
+              </a:rPr>
               <a:t>F</a:t>
             </a:r>
             <a:r>
@@ -9917,7 +10096,7 @@
             </a:pPr>
             <a:r>
               <a:rPr lang="de-DE" dirty="0"/>
-              <a:t>HS Bochum und Smart </a:t>
+              <a:t> HS Bochum und Smart </a:t>
             </a:r>
             <a:r>
               <a:rPr lang="de-DE" dirty="0" err="1"/>
@@ -9925,7 +10104,7 @@
             </a:r>
             <a:r>
               <a:rPr lang="de-DE" dirty="0"/>
-              <a:t> GmbH</a:t>
+              <a:t> GmbH </a:t>
             </a:r>
           </a:p>
           <a:p>
@@ -9942,7 +10121,7 @@
             </a:pPr>
             <a:r>
               <a:rPr lang="de-DE" dirty="0"/>
-              <a:t>Autonomes fahren ohne Änderung der Umgebung</a:t>
+              <a:t> Autonomes fahren ohne Änderung der Umgebung</a:t>
             </a:r>
           </a:p>
           <a:p>
@@ -9958,6 +10137,10 @@
               <a:buChar char="•"/>
             </a:pPr>
             <a:r>
+              <a:rPr lang="de-DE" dirty="0"/>
+              <a:t> </a:t>
+            </a:r>
+            <a:r>
               <a:rPr lang="de-DE" dirty="0" err="1"/>
               <a:t>Omnidirektional</a:t>
             </a:r>
@@ -9979,6 +10162,10 @@
               <a:buChar char="•"/>
             </a:pPr>
             <a:r>
+              <a:rPr lang="de-DE" dirty="0"/>
+              <a:t> </a:t>
+            </a:r>
+            <a:r>
               <a:rPr lang="de-DE" dirty="0" err="1"/>
               <a:t>Mecanum</a:t>
             </a:r>
@@ -10000,6 +10187,10 @@
               <a:buChar char="•"/>
             </a:pPr>
             <a:r>
+              <a:rPr lang="de-DE" dirty="0"/>
+              <a:t> </a:t>
+            </a:r>
+            <a:r>
               <a:rPr lang="de-DE" dirty="0" err="1"/>
               <a:t>Lidar</a:t>
             </a:r>
@@ -10022,7 +10213,7 @@
             </a:pPr>
             <a:r>
               <a:rPr lang="de-DE" dirty="0"/>
-              <a:t>IMU Sensorik</a:t>
+              <a:t> IMU Sensorik</a:t>
             </a:r>
           </a:p>
           <a:p>
@@ -10203,7 +10394,7 @@
           <a:p>
             <a:r>
               <a:rPr lang="de-DE" dirty="0"/>
-              <a:t>4 von 23</a:t>
+              <a:t>4 von 8</a:t>
             </a:r>
           </a:p>
         </p:txBody>
@@ -10292,7 +10483,15 @@
             </a:r>
             <a:r>
               <a:rPr lang="de-DE" dirty="0"/>
-              <a:t> der Umgebung (SLAM)</a:t>
+              <a:t> der Umgebung und </a:t>
+            </a:r>
+            <a:r>
+              <a:rPr lang="de-DE" dirty="0" err="1"/>
+              <a:t>Posenschätzung</a:t>
+            </a:r>
+            <a:r>
+              <a:rPr lang="de-DE" dirty="0"/>
+              <a:t> (SLAM)</a:t>
             </a:r>
           </a:p>
           <a:p>
@@ -10461,7 +10660,7 @@
           <a:p>
             <a:r>
               <a:rPr lang="de-DE" dirty="0"/>
-              <a:t>5 von 23</a:t>
+              <a:t>5 von 8</a:t>
             </a:r>
           </a:p>
         </p:txBody>
@@ -10480,8 +10679,8 @@
         </p:nvSpPr>
         <p:spPr>
           <a:xfrm>
-            <a:off x="838200" y="1573306"/>
-            <a:ext cx="9865659" cy="4247317"/>
+            <a:off x="838200" y="1502688"/>
+            <a:ext cx="9865659" cy="5355312"/>
           </a:xfrm>
           <a:prstGeom prst="rect">
             <a:avLst/>
@@ -10500,15 +10699,7 @@
             </a:pPr>
             <a:r>
               <a:rPr lang="de-DE" dirty="0"/>
-              <a:t>Optimierung Navigation in </a:t>
-            </a:r>
-            <a:r>
-              <a:rPr lang="de-DE" dirty="0" err="1"/>
-              <a:t>kartografierter</a:t>
-            </a:r>
-            <a:r>
-              <a:rPr lang="de-DE" dirty="0"/>
-              <a:t> Umgebung</a:t>
+              <a:t>Projektteam mit Giuliano Montorio von der HS Bochum</a:t>
             </a:r>
           </a:p>
           <a:p>
@@ -10524,20 +10715,16 @@
               <a:buChar char="•"/>
             </a:pPr>
             <a:r>
+              <a:rPr lang="de-DE" dirty="0"/>
+              <a:t>Optimierung Navigation in </a:t>
+            </a:r>
+            <a:r>
               <a:rPr lang="de-DE" dirty="0" err="1"/>
-              <a:t>Projektmanagment</a:t>
+              <a:t>kartografierter</a:t>
             </a:r>
             <a:r>
               <a:rPr lang="de-DE" dirty="0"/>
-              <a:t> (CONSENS, Anwendungsszenarien, </a:t>
-            </a:r>
-            <a:r>
-              <a:rPr lang="de-DE" dirty="0" err="1"/>
-              <a:t>Anforderungsmangement</a:t>
-            </a:r>
-            <a:r>
-              <a:rPr lang="de-DE" dirty="0"/>
-              <a:t>, V&amp;V)</a:t>
+              <a:t> Umgebung</a:t>
             </a:r>
           </a:p>
           <a:p>
@@ -10554,15 +10741,15 @@
             </a:pPr>
             <a:r>
               <a:rPr lang="de-DE" dirty="0"/>
-              <a:t>Sensordatenfusion Kinect und </a:t>
+              <a:t>Projektmanagement (CONSENS, Anwendungsszenarien, </a:t>
             </a:r>
             <a:r>
               <a:rPr lang="de-DE" dirty="0" err="1"/>
-              <a:t>Lidar</a:t>
+              <a:t>Anforderungsmangement</a:t>
             </a:r>
             <a:r>
               <a:rPr lang="de-DE" dirty="0"/>
-              <a:t> Sensoren mit ROS </a:t>
+              <a:t>, V&amp;V)</a:t>
             </a:r>
           </a:p>
           <a:p>
@@ -10579,15 +10766,15 @@
             </a:pPr>
             <a:r>
               <a:rPr lang="de-DE" dirty="0"/>
-              <a:t>Sensordatenfusion IMU Sensorik mit </a:t>
+              <a:t>Sensordatenfusion Kinect und </a:t>
             </a:r>
             <a:r>
               <a:rPr lang="de-DE" dirty="0" err="1"/>
-              <a:t>Matlab</a:t>
+              <a:t>Lidar</a:t>
             </a:r>
             <a:r>
               <a:rPr lang="de-DE" dirty="0"/>
-              <a:t>/Simulink</a:t>
+              <a:t> Sensoren mit ROS (Erweiterung SLAM)</a:t>
             </a:r>
           </a:p>
           <a:p>
@@ -10604,20 +10791,7 @@
             </a:pPr>
             <a:r>
               <a:rPr lang="de-DE" dirty="0"/>
-              <a:t>Lokalisierung in statischer Karte mit ROS</a:t>
-            </a:r>
-          </a:p>
-          <a:p>
-            <a:endParaRPr lang="de-DE" dirty="0"/>
-          </a:p>
-          <a:p>
-            <a:pPr marL="285750" indent="-285750">
-              <a:buFont typeface="Arial" panose="020B0604020202020204" pitchFamily="34" charset="0"/>
-              <a:buChar char="•"/>
-            </a:pPr>
-            <a:r>
-              <a:rPr lang="de-DE" dirty="0"/>
-              <a:t>Zustandsautomat  mit </a:t>
+              <a:t>Sensordatenfusion IMU Sensorik mit </a:t>
             </a:r>
             <a:r>
               <a:rPr lang="de-DE" dirty="0" err="1"/>
@@ -10625,7 +10799,7 @@
             </a:r>
             <a:r>
               <a:rPr lang="de-DE" dirty="0"/>
-              <a:t>/Simulink</a:t>
+              <a:t>/Simulink (Winkelbestimmung)</a:t>
             </a:r>
           </a:p>
           <a:p>
@@ -10642,11 +10816,75 @@
             </a:pPr>
             <a:r>
               <a:rPr lang="de-DE" dirty="0"/>
-              <a:t>Spracherkennung/Ausgabe und Verarbeitung</a:t>
+              <a:t>Lokalisierung in statischer Karte mit ROS</a:t>
             </a:r>
           </a:p>
           <a:p>
             <a:endParaRPr lang="de-DE" dirty="0"/>
+          </a:p>
+          <a:p>
+            <a:pPr marL="285750" indent="-285750">
+              <a:buFont typeface="Arial" panose="020B0604020202020204" pitchFamily="34" charset="0"/>
+              <a:buChar char="•"/>
+            </a:pPr>
+            <a:r>
+              <a:rPr lang="de-DE" dirty="0"/>
+              <a:t>Zustandsautomat  mit </a:t>
+            </a:r>
+            <a:r>
+              <a:rPr lang="de-DE" dirty="0" err="1"/>
+              <a:t>Matlab</a:t>
+            </a:r>
+            <a:r>
+              <a:rPr lang="de-DE" dirty="0"/>
+              <a:t>/Simulink/</a:t>
+            </a:r>
+            <a:r>
+              <a:rPr lang="de-DE" dirty="0" err="1"/>
+              <a:t>Stateflow</a:t>
+            </a:r>
+            <a:endParaRPr lang="de-DE" dirty="0"/>
+          </a:p>
+          <a:p>
+            <a:pPr marL="285750" indent="-285750">
+              <a:buFont typeface="Arial" panose="020B0604020202020204" pitchFamily="34" charset="0"/>
+              <a:buChar char="•"/>
+            </a:pPr>
+            <a:endParaRPr lang="de-DE" dirty="0"/>
+          </a:p>
+          <a:p>
+            <a:pPr marL="285750" indent="-285750">
+              <a:buFont typeface="Arial" panose="020B0604020202020204" pitchFamily="34" charset="0"/>
+              <a:buChar char="•"/>
+            </a:pPr>
+            <a:r>
+              <a:rPr lang="de-DE" dirty="0"/>
+              <a:t>Spracherkennung, Ausgabe und Verarbeitung </a:t>
+            </a:r>
+          </a:p>
+          <a:p>
+            <a:pPr marL="285750" indent="-285750">
+              <a:buFont typeface="Arial" panose="020B0604020202020204" pitchFamily="34" charset="0"/>
+              <a:buChar char="•"/>
+            </a:pPr>
+            <a:endParaRPr lang="de-DE" dirty="0"/>
+          </a:p>
+          <a:p>
+            <a:pPr marL="285750" indent="-285750">
+              <a:buFont typeface="Arial" panose="020B0604020202020204" pitchFamily="34" charset="0"/>
+              <a:buChar char="•"/>
+            </a:pPr>
+            <a:r>
+              <a:rPr lang="de-DE" b="1" dirty="0"/>
+              <a:t>Ziel ist die Erhöhung des automatisierungsgrades </a:t>
+            </a:r>
+            <a:r>
+              <a:rPr lang="de-DE" dirty="0"/>
+              <a:t>(derzeit teil-/hochautomatisiert)</a:t>
+            </a:r>
+          </a:p>
+          <a:p>
+            <a:endParaRPr lang="de-DE" b="1" dirty="0"/>
           </a:p>
           <a:p>
             <a:pPr marL="285750" indent="-285750">
@@ -10796,7 +11034,7 @@
           <a:p>
             <a:r>
               <a:rPr lang="de-DE" dirty="0"/>
-              <a:t>6 von 23</a:t>
+              <a:t>6 von 8</a:t>
             </a:r>
           </a:p>
         </p:txBody>
@@ -10816,7 +11054,7 @@
         <p:spPr>
           <a:xfrm>
             <a:off x="838200" y="1573306"/>
-            <a:ext cx="9865659" cy="2585323"/>
+            <a:ext cx="9865659" cy="923330"/>
           </a:xfrm>
           <a:prstGeom prst="rect">
             <a:avLst/>
@@ -10829,22 +11067,10 @@
           </a:bodyPr>
           <a:lstStyle/>
           <a:p>
-            <a:pPr marL="285750" indent="-285750">
-              <a:buFont typeface="Arial" panose="020B0604020202020204" pitchFamily="34" charset="0"/>
-              <a:buChar char="•"/>
-            </a:pPr>
-            <a:r>
-              <a:rPr lang="de-DE" dirty="0"/>
-              <a:t>CONSENS / Modell </a:t>
-            </a:r>
-            <a:r>
-              <a:rPr lang="de-DE" dirty="0" err="1"/>
-              <a:t>Based</a:t>
-            </a:r>
-            <a:r>
-              <a:rPr lang="de-DE" dirty="0"/>
-              <a:t> Systems Engineering</a:t>
-            </a:r>
+            <a:endParaRPr lang="de-DE" dirty="0"/>
+          </a:p>
+          <a:p>
+            <a:endParaRPr lang="de-DE" dirty="0"/>
           </a:p>
           <a:p>
             <a:pPr marL="285750" indent="-285750">
@@ -10853,74 +11079,185 @@
             </a:pPr>
             <a:endParaRPr lang="de-DE" dirty="0"/>
           </a:p>
-          <a:p>
-            <a:pPr marL="285750" indent="-285750">
-              <a:buFont typeface="Arial" panose="020B0604020202020204" pitchFamily="34" charset="0"/>
-              <a:buChar char="•"/>
-            </a:pPr>
-            <a:r>
-              <a:rPr lang="de-DE" dirty="0"/>
-              <a:t>Robot Operating System einbinden von fertigen Lösungen</a:t>
-            </a:r>
-          </a:p>
-          <a:p>
-            <a:pPr marL="285750" indent="-285750">
-              <a:buFont typeface="Arial" panose="020B0604020202020204" pitchFamily="34" charset="0"/>
-              <a:buChar char="•"/>
-            </a:pPr>
-            <a:endParaRPr lang="de-DE" dirty="0"/>
-          </a:p>
-          <a:p>
-            <a:pPr marL="285750" indent="-285750">
-              <a:buFont typeface="Arial" panose="020B0604020202020204" pitchFamily="34" charset="0"/>
-              <a:buChar char="•"/>
-            </a:pPr>
-            <a:r>
-              <a:rPr lang="de-DE" dirty="0"/>
-              <a:t>Model basierte Softwareentwicklung mit </a:t>
-            </a:r>
-            <a:r>
-              <a:rPr lang="de-DE" dirty="0" err="1"/>
-              <a:t>Matlab</a:t>
-            </a:r>
-            <a:r>
-              <a:rPr lang="de-DE" dirty="0"/>
-              <a:t>/Simulink</a:t>
-            </a:r>
-          </a:p>
-          <a:p>
-            <a:pPr marL="285750" indent="-285750">
-              <a:buFont typeface="Arial" panose="020B0604020202020204" pitchFamily="34" charset="0"/>
-              <a:buChar char="•"/>
-            </a:pPr>
-            <a:endParaRPr lang="de-DE" dirty="0"/>
-          </a:p>
-          <a:p>
-            <a:pPr marL="285750" indent="-285750">
-              <a:buFont typeface="Arial" panose="020B0604020202020204" pitchFamily="34" charset="0"/>
-              <a:buChar char="•"/>
-            </a:pPr>
-            <a:r>
-              <a:rPr lang="de-DE" dirty="0"/>
-              <a:t>Linux als Entwicklungsplattform</a:t>
-            </a:r>
-          </a:p>
-          <a:p>
-            <a:pPr marL="285750" indent="-285750">
-              <a:buFont typeface="Arial" panose="020B0604020202020204" pitchFamily="34" charset="0"/>
-              <a:buChar char="•"/>
-            </a:pPr>
-            <a:endParaRPr lang="de-DE" dirty="0"/>
-          </a:p>
-          <a:p>
-            <a:pPr marL="285750" indent="-285750">
-              <a:buFont typeface="Arial" panose="020B0604020202020204" pitchFamily="34" charset="0"/>
-              <a:buChar char="•"/>
-            </a:pPr>
-            <a:endParaRPr lang="de-DE" dirty="0"/>
-          </a:p>
-        </p:txBody>
-      </p:sp>
+        </p:txBody>
+      </p:sp>
+      <p:grpSp>
+        <p:nvGrpSpPr>
+          <p:cNvPr id="4" name="Gruppieren 3">
+            <a:extLst>
+              <a:ext uri="{FF2B5EF4-FFF2-40B4-BE49-F238E27FC236}">
+                <a16:creationId xmlns:a16="http://schemas.microsoft.com/office/drawing/2014/main" id="{FED6E9ED-E227-A94D-A231-223242AB97FC}"/>
+              </a:ext>
+            </a:extLst>
+          </p:cNvPr>
+          <p:cNvGrpSpPr/>
+          <p:nvPr/>
+        </p:nvGrpSpPr>
+        <p:grpSpPr>
+          <a:xfrm>
+            <a:off x="2209800" y="1999441"/>
+            <a:ext cx="7253204" cy="4048155"/>
+            <a:chOff x="2185736" y="1690688"/>
+            <a:chExt cx="7253204" cy="4048155"/>
+          </a:xfrm>
+        </p:grpSpPr>
+        <p:grpSp>
+          <p:nvGrpSpPr>
+            <p:cNvPr id="8" name="Gruppieren">
+              <a:extLst>
+                <a:ext uri="{FF2B5EF4-FFF2-40B4-BE49-F238E27FC236}">
+                  <a16:creationId xmlns:a16="http://schemas.microsoft.com/office/drawing/2014/main" id="{0C7C0249-AF63-414F-8258-65A4A3CF6EDD}"/>
+                </a:ext>
+              </a:extLst>
+            </p:cNvPr>
+            <p:cNvGrpSpPr/>
+            <p:nvPr/>
+          </p:nvGrpSpPr>
+          <p:grpSpPr>
+            <a:xfrm>
+              <a:off x="2185736" y="1690688"/>
+              <a:ext cx="7253204" cy="4048155"/>
+              <a:chOff x="39559" y="0"/>
+              <a:chExt cx="3472990" cy="2288091"/>
+            </a:xfrm>
+          </p:grpSpPr>
+          <p:pic>
+            <p:nvPicPr>
+              <p:cNvPr id="9" name="Shape 360" descr="Shape 360">
+                <a:extLst>
+                  <a:ext uri="{FF2B5EF4-FFF2-40B4-BE49-F238E27FC236}">
+                    <a16:creationId xmlns:a16="http://schemas.microsoft.com/office/drawing/2014/main" id="{709A6028-1F6B-2B45-9DE1-82A190007BE4}"/>
+                  </a:ext>
+                </a:extLst>
+              </p:cNvPr>
+              <p:cNvPicPr>
+                <a:picLocks noChangeAspect="1"/>
+              </p:cNvPicPr>
+              <p:nvPr/>
+            </p:nvPicPr>
+            <p:blipFill>
+              <a:blip r:embed="rId3"/>
+              <a:stretch>
+                <a:fillRect/>
+              </a:stretch>
+            </p:blipFill>
+            <p:spPr>
+              <a:xfrm>
+                <a:off x="1711114" y="0"/>
+                <a:ext cx="1692684" cy="908575"/>
+              </a:xfrm>
+              <a:prstGeom prst="rect">
+                <a:avLst/>
+              </a:prstGeom>
+              <a:ln w="12700" cap="flat">
+                <a:noFill/>
+                <a:miter lim="400000"/>
+              </a:ln>
+              <a:effectLst/>
+            </p:spPr>
+          </p:pic>
+          <p:pic>
+            <p:nvPicPr>
+              <p:cNvPr id="11" name="72d1f12edf758d24f5b6db73bac4f297-logotipo-linux-by-vexels.png" descr="72d1f12edf758d24f5b6db73bac4f297-logotipo-linux-by-vexels.png">
+                <a:extLst>
+                  <a:ext uri="{FF2B5EF4-FFF2-40B4-BE49-F238E27FC236}">
+                    <a16:creationId xmlns:a16="http://schemas.microsoft.com/office/drawing/2014/main" id="{3BAA9B45-8E49-2547-B152-94F9B1795EA6}"/>
+                  </a:ext>
+                </a:extLst>
+              </p:cNvPr>
+              <p:cNvPicPr>
+                <a:picLocks noChangeAspect="1"/>
+              </p:cNvPicPr>
+              <p:nvPr/>
+            </p:nvPicPr>
+            <p:blipFill>
+              <a:blip r:embed="rId4"/>
+              <a:stretch>
+                <a:fillRect/>
+              </a:stretch>
+            </p:blipFill>
+            <p:spPr>
+              <a:xfrm>
+                <a:off x="1602364" y="377907"/>
+                <a:ext cx="1910185" cy="1910184"/>
+              </a:xfrm>
+              <a:prstGeom prst="rect">
+                <a:avLst/>
+              </a:prstGeom>
+              <a:ln w="12700" cap="flat">
+                <a:noFill/>
+                <a:miter lim="400000"/>
+              </a:ln>
+              <a:effectLst/>
+            </p:spPr>
+          </p:pic>
+          <p:pic>
+            <p:nvPicPr>
+              <p:cNvPr id="12" name="Matlab_Logo.png" descr="Matlab_Logo.png">
+                <a:extLst>
+                  <a:ext uri="{FF2B5EF4-FFF2-40B4-BE49-F238E27FC236}">
+                    <a16:creationId xmlns:a16="http://schemas.microsoft.com/office/drawing/2014/main" id="{C1AD1110-BC21-5E4E-AA31-1FF60B9228F6}"/>
+                  </a:ext>
+                </a:extLst>
+              </p:cNvPr>
+              <p:cNvPicPr>
+                <a:picLocks noChangeAspect="1"/>
+              </p:cNvPicPr>
+              <p:nvPr/>
+            </p:nvPicPr>
+            <p:blipFill>
+              <a:blip r:embed="rId5"/>
+              <a:stretch>
+                <a:fillRect/>
+              </a:stretch>
+            </p:blipFill>
+            <p:spPr>
+              <a:xfrm>
+                <a:off x="39559" y="827181"/>
+                <a:ext cx="1125444" cy="1011635"/>
+              </a:xfrm>
+              <a:prstGeom prst="rect">
+                <a:avLst/>
+              </a:prstGeom>
+              <a:ln w="12700" cap="flat">
+                <a:noFill/>
+                <a:miter lim="400000"/>
+              </a:ln>
+              <a:effectLst/>
+            </p:spPr>
+          </p:pic>
+        </p:grpSp>
+        <p:pic>
+          <p:nvPicPr>
+            <p:cNvPr id="2" name="Grafik 1">
+              <a:extLst>
+                <a:ext uri="{FF2B5EF4-FFF2-40B4-BE49-F238E27FC236}">
+                  <a16:creationId xmlns:a16="http://schemas.microsoft.com/office/drawing/2014/main" id="{00825B12-C21E-CB42-BED7-2E593E74BE72}"/>
+                </a:ext>
+              </a:extLst>
+            </p:cNvPr>
+            <p:cNvPicPr>
+              <a:picLocks noChangeAspect="1"/>
+            </p:cNvPicPr>
+            <p:nvPr/>
+          </p:nvPicPr>
+          <p:blipFill>
+            <a:blip r:embed="rId6"/>
+            <a:stretch>
+              <a:fillRect/>
+            </a:stretch>
+          </p:blipFill>
+          <p:spPr>
+            <a:xfrm>
+              <a:off x="2418209" y="1893246"/>
+              <a:ext cx="2326382" cy="1168643"/>
+            </a:xfrm>
+            <a:prstGeom prst="rect">
+              <a:avLst/>
+            </a:prstGeom>
+          </p:spPr>
+        </p:pic>
+      </p:grpSp>
     </p:spTree>
     <p:extLst>
       <p:ext uri="{BB962C8B-B14F-4D97-AF65-F5344CB8AC3E}">
@@ -11060,7 +11397,7 @@
           <a:p>
             <a:r>
               <a:rPr lang="de-DE" dirty="0"/>
-              <a:t>4 von 23</a:t>
+              <a:t>7 von 8</a:t>
             </a:r>
           </a:p>
         </p:txBody>
@@ -11080,7 +11417,7 @@
         <p:spPr>
           <a:xfrm>
             <a:off x="838200" y="1573306"/>
-            <a:ext cx="9865659" cy="646331"/>
+            <a:ext cx="9865659" cy="2862322"/>
           </a:xfrm>
           <a:prstGeom prst="rect">
             <a:avLst/>
@@ -11099,7 +11436,75 @@
             </a:pPr>
             <a:r>
               <a:rPr lang="de-DE" dirty="0"/>
-              <a:t>Was ist ALF</a:t>
+              <a:t>Einarbeitung in mögliche Themen am ALF</a:t>
+            </a:r>
+          </a:p>
+          <a:p>
+            <a:pPr marL="285750" indent="-285750">
+              <a:buFont typeface="Arial" panose="020B0604020202020204" pitchFamily="34" charset="0"/>
+              <a:buChar char="•"/>
+            </a:pPr>
+            <a:endParaRPr lang="de-DE" dirty="0"/>
+          </a:p>
+          <a:p>
+            <a:pPr marL="285750" indent="-285750">
+              <a:buFont typeface="Arial" panose="020B0604020202020204" pitchFamily="34" charset="0"/>
+              <a:buChar char="•"/>
+            </a:pPr>
+            <a:r>
+              <a:rPr lang="de-DE" dirty="0"/>
+              <a:t>Lokalisierung in statischer Karte</a:t>
+            </a:r>
+          </a:p>
+          <a:p>
+            <a:pPr marL="285750" indent="-285750">
+              <a:buFont typeface="Arial" panose="020B0604020202020204" pitchFamily="34" charset="0"/>
+              <a:buChar char="•"/>
+            </a:pPr>
+            <a:endParaRPr lang="de-DE" dirty="0"/>
+          </a:p>
+          <a:p>
+            <a:pPr marL="285750" indent="-285750">
+              <a:buFont typeface="Arial" panose="020B0604020202020204" pitchFamily="34" charset="0"/>
+              <a:buChar char="•"/>
+            </a:pPr>
+            <a:r>
+              <a:rPr lang="de-DE" dirty="0"/>
+              <a:t>CONSENS Modellierung</a:t>
+            </a:r>
+          </a:p>
+          <a:p>
+            <a:pPr marL="285750" indent="-285750">
+              <a:buFont typeface="Arial" panose="020B0604020202020204" pitchFamily="34" charset="0"/>
+              <a:buChar char="•"/>
+            </a:pPr>
+            <a:endParaRPr lang="de-DE" dirty="0"/>
+          </a:p>
+          <a:p>
+            <a:pPr marL="285750" indent="-285750">
+              <a:buFont typeface="Arial" panose="020B0604020202020204" pitchFamily="34" charset="0"/>
+              <a:buChar char="•"/>
+            </a:pPr>
+            <a:r>
+              <a:rPr lang="de-DE" dirty="0"/>
+              <a:t>Grobe Skizzierung von Anwendungsszenarien</a:t>
+            </a:r>
+          </a:p>
+          <a:p>
+            <a:pPr marL="285750" indent="-285750">
+              <a:buFont typeface="Arial" panose="020B0604020202020204" pitchFamily="34" charset="0"/>
+              <a:buChar char="•"/>
+            </a:pPr>
+            <a:endParaRPr lang="de-DE" dirty="0"/>
+          </a:p>
+          <a:p>
+            <a:pPr marL="285750" indent="-285750">
+              <a:buFont typeface="Arial" panose="020B0604020202020204" pitchFamily="34" charset="0"/>
+              <a:buChar char="•"/>
+            </a:pPr>
+            <a:r>
+              <a:rPr lang="de-DE" dirty="0"/>
+              <a:t>Sensordatenfusion IMU Sensorik</a:t>
             </a:r>
           </a:p>
           <a:p>
@@ -11250,17 +11655,17 @@
           <a:p>
             <a:r>
               <a:rPr lang="de-DE" dirty="0"/>
-              <a:t>4 von 23</a:t>
-            </a:r>
-          </a:p>
-        </p:txBody>
-      </p:sp>
-      <p:sp>
-        <p:nvSpPr>
-          <p:cNvPr id="7" name="Textfeld 6">
-            <a:extLst>
-              <a:ext uri="{FF2B5EF4-FFF2-40B4-BE49-F238E27FC236}">
-                <a16:creationId xmlns:a16="http://schemas.microsoft.com/office/drawing/2014/main" id="{A4576066-9CD9-754F-9E7C-0A6E0762CDF3}"/>
+              <a:t>8 von 8</a:t>
+            </a:r>
+          </a:p>
+        </p:txBody>
+      </p:sp>
+      <p:sp>
+        <p:nvSpPr>
+          <p:cNvPr id="9" name="Textfeld 8">
+            <a:extLst>
+              <a:ext uri="{FF2B5EF4-FFF2-40B4-BE49-F238E27FC236}">
+                <a16:creationId xmlns:a16="http://schemas.microsoft.com/office/drawing/2014/main" id="{22D42031-790A-D546-87AE-6E5796B327DC}"/>
               </a:ext>
             </a:extLst>
           </p:cNvPr>
@@ -11270,7 +11675,7 @@
         <p:spPr>
           <a:xfrm>
             <a:off x="838200" y="1573306"/>
-            <a:ext cx="9865659" cy="646331"/>
+            <a:ext cx="9865659" cy="861774"/>
           </a:xfrm>
           <a:prstGeom prst="rect">
             <a:avLst/>
@@ -11283,13 +11688,9 @@
           </a:bodyPr>
           <a:lstStyle/>
           <a:p>
-            <a:pPr marL="285750" indent="-285750">
-              <a:buFont typeface="Arial" panose="020B0604020202020204" pitchFamily="34" charset="0"/>
-              <a:buChar char="•"/>
-            </a:pPr>
-            <a:r>
-              <a:rPr lang="de-DE" dirty="0"/>
-              <a:t>Statusupdate</a:t>
+            <a:r>
+              <a:rPr lang="de-DE" sz="3200" dirty="0"/>
+              <a:t>...?</a:t>
             </a:r>
           </a:p>
           <a:p>

--- a/Präsentationen/HSHL/Besprechung_Göbel.pptx
+++ b/Präsentationen/HSHL/Besprechung_Göbel.pptx
@@ -238,7 +238,7 @@
           <a:p>
             <a:fld id="{276817F0-84FC-C145-AFC3-FA42D1D21F8E}" type="datetimeFigureOut">
               <a:rPr lang="de-DE" smtClean="0"/>
-              <a:t>09.04.20</a:t>
+              <a:t>15.04.20</a:t>
             </a:fld>
             <a:endParaRPr lang="de-DE"/>
           </a:p>
@@ -404,7 +404,7 @@
           <a:p>
             <a:fld id="{F80FA3C8-DE25-7348-A1F7-D749F91943C8}" type="datetimeFigureOut">
               <a:rPr lang="de-DE" smtClean="0"/>
-              <a:t>09.04.20</a:t>
+              <a:t>15.04.20</a:t>
             </a:fld>
             <a:endParaRPr lang="de-DE"/>
           </a:p>
@@ -10741,15 +10741,7 @@
             </a:pPr>
             <a:r>
               <a:rPr lang="de-DE" dirty="0"/>
-              <a:t>Projektmanagement (CONSENS, Anwendungsszenarien, </a:t>
-            </a:r>
-            <a:r>
-              <a:rPr lang="de-DE" dirty="0" err="1"/>
-              <a:t>Anforderungsmangement</a:t>
-            </a:r>
-            <a:r>
-              <a:rPr lang="de-DE" dirty="0"/>
-              <a:t>, V&amp;V)</a:t>
+              <a:t>Projektmanagement (CONSENS, Anwendungsszenarien, Anforderungsmanagement, V&amp;V)</a:t>
             </a:r>
           </a:p>
           <a:p>
